--- a/docs/presentatie.pptx
+++ b/docs/presentatie.pptx
@@ -111,6 +111,11 @@
       </a:defRPr>
     </a:lvl9pPr>
   </p:defaultTextStyle>
+  <p:extLst>
+    <p:ext uri="{EFAFB233-063F-42B5-8137-9DF3F51BA10A}">
+      <p15:sldGuideLst xmlns:p15="http://schemas.microsoft.com/office/powerpoint/2012/main"/>
+    </p:ext>
+  </p:extLst>
 </p:presentation>
 </file>
 
@@ -3194,13 +3199,13 @@
   <p:clrMapOvr>
     <a:masterClrMapping/>
   </p:clrMapOvr>
-  <mc:AlternateContent xmlns:mc="http://schemas.openxmlformats.org/markup-compatibility/2006">
-    <mc:Choice xmlns:p14="http://schemas.microsoft.com/office/powerpoint/2010/main" Requires="p14">
+  <mc:AlternateContent xmlns:mc="http://schemas.openxmlformats.org/markup-compatibility/2006" xmlns:p14="http://schemas.microsoft.com/office/powerpoint/2010/main">
+    <mc:Choice Requires="p14">
       <p:transition spd="med" p14:dur="700">
         <p:fade/>
       </p:transition>
     </mc:Choice>
-    <mc:Fallback>
+    <mc:Fallback xmlns="">
       <p:transition spd="med">
         <p:fade/>
       </p:transition>
@@ -3563,13 +3568,13 @@
   <p:clrMapOvr>
     <a:overrideClrMapping bg1="dk1" tx1="lt1" bg2="dk2" tx2="lt2" accent1="accent1" accent2="accent2" accent3="accent3" accent4="accent4" accent5="accent5" accent6="accent6" hlink="hlink" folHlink="folHlink"/>
   </p:clrMapOvr>
-  <mc:AlternateContent xmlns:mc="http://schemas.openxmlformats.org/markup-compatibility/2006">
-    <mc:Choice xmlns:p14="http://schemas.microsoft.com/office/powerpoint/2010/main" Requires="p14">
+  <mc:AlternateContent xmlns:mc="http://schemas.openxmlformats.org/markup-compatibility/2006" xmlns:p14="http://schemas.microsoft.com/office/powerpoint/2010/main">
+    <mc:Choice Requires="p14">
       <p:transition spd="med" p14:dur="700">
         <p:fade/>
       </p:transition>
     </mc:Choice>
-    <mc:Fallback>
+    <mc:Fallback xmlns="">
       <p:transition spd="med">
         <p:fade/>
       </p:transition>
@@ -4019,13 +4024,13 @@
   <p:clrMapOvr>
     <a:overrideClrMapping bg1="dk1" tx1="lt1" bg2="dk2" tx2="lt2" accent1="accent1" accent2="accent2" accent3="accent3" accent4="accent4" accent5="accent5" accent6="accent6" hlink="hlink" folHlink="folHlink"/>
   </p:clrMapOvr>
-  <mc:AlternateContent xmlns:mc="http://schemas.openxmlformats.org/markup-compatibility/2006">
-    <mc:Choice xmlns:p14="http://schemas.microsoft.com/office/powerpoint/2010/main" Requires="p14">
+  <mc:AlternateContent xmlns:mc="http://schemas.openxmlformats.org/markup-compatibility/2006" xmlns:p14="http://schemas.microsoft.com/office/powerpoint/2010/main">
+    <mc:Choice Requires="p14">
       <p:transition spd="med" p14:dur="700">
         <p:fade/>
       </p:transition>
     </mc:Choice>
-    <mc:Fallback>
+    <mc:Fallback xmlns="">
       <p:transition spd="med">
         <p:fade/>
       </p:transition>
@@ -4465,13 +4470,13 @@
   <p:clrMapOvr>
     <a:overrideClrMapping bg1="dk1" tx1="lt1" bg2="dk2" tx2="lt2" accent1="accent1" accent2="accent2" accent3="accent3" accent4="accent4" accent5="accent5" accent6="accent6" hlink="hlink" folHlink="folHlink"/>
   </p:clrMapOvr>
-  <mc:AlternateContent xmlns:mc="http://schemas.openxmlformats.org/markup-compatibility/2006">
-    <mc:Choice xmlns:p14="http://schemas.microsoft.com/office/powerpoint/2010/main" Requires="p14">
+  <mc:AlternateContent xmlns:mc="http://schemas.openxmlformats.org/markup-compatibility/2006" xmlns:p14="http://schemas.microsoft.com/office/powerpoint/2010/main">
+    <mc:Choice Requires="p14">
       <p:transition spd="med" p14:dur="700">
         <p:fade/>
       </p:transition>
     </mc:Choice>
-    <mc:Fallback>
+    <mc:Fallback xmlns="">
       <p:transition spd="med">
         <p:fade/>
       </p:transition>
@@ -4866,13 +4871,13 @@
   <p:clrMapOvr>
     <a:overrideClrMapping bg1="dk1" tx1="lt1" bg2="dk2" tx2="lt2" accent1="accent1" accent2="accent2" accent3="accent3" accent4="accent4" accent5="accent5" accent6="accent6" hlink="hlink" folHlink="folHlink"/>
   </p:clrMapOvr>
-  <mc:AlternateContent xmlns:mc="http://schemas.openxmlformats.org/markup-compatibility/2006">
-    <mc:Choice xmlns:p14="http://schemas.microsoft.com/office/powerpoint/2010/main" Requires="p14">
+  <mc:AlternateContent xmlns:mc="http://schemas.openxmlformats.org/markup-compatibility/2006" xmlns:p14="http://schemas.microsoft.com/office/powerpoint/2010/main">
+    <mc:Choice Requires="p14">
       <p:transition spd="med" p14:dur="700">
         <p:fade/>
       </p:transition>
     </mc:Choice>
-    <mc:Fallback>
+    <mc:Fallback xmlns="">
       <p:transition spd="med">
         <p:fade/>
       </p:transition>
@@ -5361,7 +5366,7 @@
               <a:t> van </a:t>
             </a:r>
             <a:r>
-              <a:rPr lang="en-US" sz="2400" dirty="0" err="1">
+              <a:rPr lang="en-US" sz="2400">
                 <a:solidFill>
                   <a:schemeClr val="bg1"/>
                 </a:solidFill>
@@ -5374,18 +5379,6 @@
               <a:solidFill>
                 <a:schemeClr val="bg1"/>
               </a:solidFill>
-              <a:latin typeface="Arial" panose="020B0604020202020204" pitchFamily="34" charset="0"/>
-              <a:cs typeface="Arial" panose="020B0604020202020204" pitchFamily="34" charset="0"/>
-            </a:endParaRPr>
-          </a:p>
-          <a:p>
-            <a:endParaRPr lang="en-US" sz="2400" dirty="0">
-              <a:latin typeface="Arial" panose="020B0604020202020204" pitchFamily="34" charset="0"/>
-              <a:cs typeface="Arial" panose="020B0604020202020204" pitchFamily="34" charset="0"/>
-            </a:endParaRPr>
-          </a:p>
-          <a:p>
-            <a:endParaRPr lang="en-US" sz="2400" dirty="0">
               <a:latin typeface="Arial" panose="020B0604020202020204" pitchFamily="34" charset="0"/>
               <a:cs typeface="Arial" panose="020B0604020202020204" pitchFamily="34" charset="0"/>
             </a:endParaRPr>
@@ -5461,13 +5454,13 @@
   <p:clrMapOvr>
     <a:masterClrMapping/>
   </p:clrMapOvr>
-  <mc:AlternateContent xmlns:mc="http://schemas.openxmlformats.org/markup-compatibility/2006">
-    <mc:Choice xmlns:p14="http://schemas.microsoft.com/office/powerpoint/2010/main" Requires="p14">
+  <mc:AlternateContent xmlns:mc="http://schemas.openxmlformats.org/markup-compatibility/2006" xmlns:p14="http://schemas.microsoft.com/office/powerpoint/2010/main">
+    <mc:Choice Requires="p14">
       <p:transition spd="med" p14:dur="700">
         <p:fade/>
       </p:transition>
     </mc:Choice>
-    <mc:Fallback>
+    <mc:Fallback xmlns="">
       <p:transition spd="med">
         <p:fade/>
       </p:transition>
@@ -5805,13 +5798,13 @@
   <p:clrMapOvr>
     <a:masterClrMapping/>
   </p:clrMapOvr>
-  <mc:AlternateContent xmlns:mc="http://schemas.openxmlformats.org/markup-compatibility/2006">
-    <mc:Choice xmlns:p14="http://schemas.microsoft.com/office/powerpoint/2010/main" Requires="p14">
+  <mc:AlternateContent xmlns:mc="http://schemas.openxmlformats.org/markup-compatibility/2006" xmlns:p14="http://schemas.microsoft.com/office/powerpoint/2010/main">
+    <mc:Choice Requires="p14">
       <p:transition spd="med" p14:dur="700">
         <p:fade/>
       </p:transition>
     </mc:Choice>
-    <mc:Fallback>
+    <mc:Fallback xmlns="">
       <p:transition spd="med">
         <p:fade/>
       </p:transition>
@@ -6062,13 +6055,13 @@
   <p:clrMapOvr>
     <a:masterClrMapping/>
   </p:clrMapOvr>
-  <mc:AlternateContent xmlns:mc="http://schemas.openxmlformats.org/markup-compatibility/2006">
-    <mc:Choice xmlns:p14="http://schemas.microsoft.com/office/powerpoint/2010/main" Requires="p14">
+  <mc:AlternateContent xmlns:mc="http://schemas.openxmlformats.org/markup-compatibility/2006" xmlns:p14="http://schemas.microsoft.com/office/powerpoint/2010/main">
+    <mc:Choice Requires="p14">
       <p:transition spd="med" p14:dur="700">
         <p:fade/>
       </p:transition>
     </mc:Choice>
-    <mc:Fallback>
+    <mc:Fallback xmlns="">
       <p:transition spd="med">
         <p:fade/>
       </p:transition>
